--- a/SoftProjekat.pptx
+++ b/SoftProjekat.pptx
@@ -15,10 +15,12 @@
     <p:sldId id="269" r:id="rId9"/>
     <p:sldId id="262" r:id="rId10"/>
     <p:sldId id="263" r:id="rId11"/>
-    <p:sldId id="265" r:id="rId12"/>
-    <p:sldId id="264" r:id="rId13"/>
-    <p:sldId id="266" r:id="rId14"/>
-    <p:sldId id="261" r:id="rId15"/>
+    <p:sldId id="270" r:id="rId12"/>
+    <p:sldId id="265" r:id="rId13"/>
+    <p:sldId id="264" r:id="rId14"/>
+    <p:sldId id="266" r:id="rId15"/>
+    <p:sldId id="271" r:id="rId16"/>
+    <p:sldId id="261" r:id="rId17"/>
   </p:sldIdLst>
   <p:sldSz cx="9144000" cy="6858000" type="screen4x3"/>
   <p:notesSz cx="6858000" cy="9144000"/>
@@ -3244,6 +3246,32 @@
           </a:p>
         </p:txBody>
       </p:sp>
+      <p:pic>
+        <p:nvPicPr>
+          <p:cNvPr id="16388" name="Picture 4" descr="https://encrypted-tbn3.gstatic.com/images?q=tbn:ANd9GcR2H1gvOdidqBecjEU7er3bjBfz5mHCHX9SKbZnPGdOJyvh24IHnw"/>
+          <p:cNvPicPr>
+            <a:picLocks noChangeAspect="1" noChangeArrowheads="1"/>
+          </p:cNvPicPr>
+          <p:nvPr/>
+        </p:nvPicPr>
+        <p:blipFill>
+          <a:blip r:embed="rId2"/>
+          <a:srcRect/>
+          <a:stretch>
+            <a:fillRect/>
+          </a:stretch>
+        </p:blipFill>
+        <p:spPr bwMode="auto">
+          <a:xfrm>
+            <a:off x="3352800" y="228600"/>
+            <a:ext cx="1981200" cy="1981200"/>
+          </a:xfrm>
+          <a:prstGeom prst="rect">
+            <a:avLst/>
+          </a:prstGeom>
+          <a:noFill/>
+        </p:spPr>
+      </p:pic>
     </p:spTree>
   </p:cSld>
   <p:clrMapOvr>
@@ -3305,12 +3333,12 @@
         <p:spPr>
           <a:xfrm>
             <a:off x="457200" y="1600200"/>
-            <a:ext cx="8229600" cy="4953000"/>
+            <a:ext cx="8229600" cy="5105400"/>
           </a:xfrm>
         </p:spPr>
         <p:txBody>
           <a:bodyPr>
-            <a:normAutofit fontScale="55000" lnSpcReduction="20000"/>
+            <a:normAutofit fontScale="85000" lnSpcReduction="20000"/>
           </a:bodyPr>
           <a:lstStyle/>
           <a:p>
@@ -3358,8 +3386,58 @@
             <a:pPr marL="1314450" lvl="2" indent="-514350" algn="just"/>
             <a:r>
               <a:rPr lang="sr-Latn-RS" dirty="0" smtClean="0"/>
-              <a:t>erozija/dilatacija sa horizontalnim kernelom</a:t>
-            </a:r>
+              <a:t>metode:</a:t>
+            </a:r>
+          </a:p>
+          <a:p>
+            <a:pPr marL="1771650" lvl="3" indent="-514350" algn="just"/>
+            <a:r>
+              <a:rPr lang="sr-Latn-RS" dirty="0" smtClean="0"/>
+              <a:t>morfološke operacije </a:t>
+            </a:r>
+            <a:r>
+              <a:rPr lang="sr-Latn-RS" dirty="0" smtClean="0"/>
+              <a:t>sa horizontalnim </a:t>
+            </a:r>
+            <a:r>
+              <a:rPr lang="sr-Latn-RS" dirty="0" smtClean="0"/>
+              <a:t>kernelom</a:t>
+            </a:r>
+          </a:p>
+          <a:p>
+            <a:pPr marL="1771650" lvl="3" indent="-514350" algn="just"/>
+            <a:r>
+              <a:rPr lang="sr-Latn-RS" dirty="0" smtClean="0"/>
+              <a:t>provera praznina sa vertikalnim kernelom</a:t>
+            </a:r>
+          </a:p>
+          <a:p>
+            <a:pPr marL="1771650" lvl="3" indent="-514350" algn="just"/>
+            <a:r>
+              <a:rPr lang="sr-Latn-RS" i="1" dirty="0" smtClean="0"/>
+              <a:t>Hough </a:t>
+            </a:r>
+            <a:r>
+              <a:rPr lang="sr-Latn-RS" dirty="0" smtClean="0"/>
+              <a:t>linijske transformacije</a:t>
+            </a:r>
+            <a:endParaRPr lang="sr-Latn-RS" i="1" dirty="0" smtClean="0"/>
+          </a:p>
+          <a:p>
+            <a:pPr marL="1314450" lvl="2" indent="-514350" algn="just"/>
+            <a:r>
+              <a:rPr lang="sr-Latn-RS" dirty="0" smtClean="0"/>
+              <a:t>uklanjanje notnih linija i pamćenje njihovih </a:t>
+            </a:r>
+            <a:r>
+              <a:rPr lang="sr-Latn-RS" i="1" dirty="0" smtClean="0"/>
+              <a:t>y</a:t>
+            </a:r>
+            <a:r>
+              <a:rPr lang="sr-Latn-RS" dirty="0" smtClean="0"/>
+              <a:t> pozicija</a:t>
+            </a:r>
+            <a:endParaRPr lang="sr-Latn-RS" dirty="0" smtClean="0"/>
           </a:p>
           <a:p>
             <a:pPr marL="914400" lvl="1" indent="-514350" algn="just"/>
@@ -3372,130 +3450,78 @@
             <a:pPr marL="1314450" lvl="2" indent="-514350" algn="just"/>
             <a:r>
               <a:rPr lang="sr-Latn-RS" dirty="0" smtClean="0"/>
-              <a:t>erozija/dilatacija sa vertikalnim kernelom</a:t>
+              <a:t>metode:</a:t>
+            </a:r>
+          </a:p>
+          <a:p>
+            <a:pPr marL="1771650" lvl="3" indent="-514350" algn="just"/>
+            <a:r>
+              <a:rPr lang="sr-Latn-RS" dirty="0" smtClean="0"/>
+              <a:t>morfološke operacije</a:t>
+            </a:r>
+            <a:r>
+              <a:rPr lang="sr-Latn-RS" dirty="0" smtClean="0"/>
+              <a:t> </a:t>
+            </a:r>
+            <a:r>
+              <a:rPr lang="sr-Latn-RS" dirty="0" smtClean="0"/>
+              <a:t>sa vertikalnim </a:t>
+            </a:r>
+            <a:r>
+              <a:rPr lang="sr-Latn-RS" dirty="0" smtClean="0"/>
+              <a:t>kernelom</a:t>
+            </a:r>
+            <a:endParaRPr lang="sr-Latn-RS" dirty="0" smtClean="0"/>
+          </a:p>
+          <a:p>
+            <a:pPr marL="1771650" lvl="3" indent="-514350" algn="just"/>
+            <a:r>
+              <a:rPr lang="sr-Latn-RS" dirty="0" smtClean="0"/>
+              <a:t>provera praznina sa horizontalnim </a:t>
+            </a:r>
+            <a:r>
+              <a:rPr lang="sr-Latn-RS" dirty="0" smtClean="0"/>
+              <a:t>kernelom</a:t>
+            </a:r>
+            <a:endParaRPr lang="sr-Latn-RS" dirty="0" smtClean="0"/>
+          </a:p>
+          <a:p>
+            <a:pPr marL="1771650" lvl="3" indent="-514350" algn="just"/>
+            <a:r>
+              <a:rPr lang="sr-Latn-RS" i="1" dirty="0" smtClean="0"/>
+              <a:t>Hough l</a:t>
+            </a:r>
+            <a:r>
+              <a:rPr lang="sr-Latn-RS" dirty="0" smtClean="0"/>
+              <a:t>linijske </a:t>
+            </a:r>
+            <a:r>
+              <a:rPr lang="sr-Latn-RS" dirty="0" smtClean="0"/>
+              <a:t>transformacije</a:t>
             </a:r>
           </a:p>
           <a:p>
             <a:pPr marL="1314450" lvl="2" indent="-514350" algn="just"/>
             <a:r>
               <a:rPr lang="sr-Latn-RS" dirty="0" smtClean="0"/>
-              <a:t>od najniže do najviše standardne notne linije</a:t>
-            </a:r>
-          </a:p>
-          <a:p>
-            <a:pPr marL="514350" indent="-514350" algn="just"/>
-            <a:r>
-              <a:rPr lang="sr-Latn-RS" dirty="0" smtClean="0"/>
-              <a:t>Prepoznavanje nota:</a:t>
-            </a:r>
-          </a:p>
-          <a:p>
-            <a:pPr marL="914400" lvl="1" indent="-514350" algn="just"/>
-            <a:r>
-              <a:rPr lang="sr-Latn-RS" dirty="0" smtClean="0"/>
-              <a:t>notnih </a:t>
-            </a:r>
-            <a:r>
-              <a:rPr lang="sr-Latn-RS" dirty="0" smtClean="0"/>
-              <a:t>vratova</a:t>
-            </a:r>
-            <a:r>
-              <a:rPr lang="en-US" dirty="0" smtClean="0"/>
-              <a:t>   </a:t>
-            </a:r>
-            <a:r>
-              <a:rPr lang="en-US" b="1" dirty="0" smtClean="0"/>
-              <a:t>=</a:t>
-            </a:r>
-            <a:r>
-              <a:rPr lang="en-US" dirty="0" smtClean="0"/>
-              <a:t> </a:t>
+              <a:t>od </a:t>
+            </a:r>
+            <a:r>
+              <a:rPr lang="sr-Latn-RS" dirty="0" smtClean="0"/>
+              <a:t>najniže do najviše standardne notne </a:t>
+            </a:r>
+            <a:r>
+              <a:rPr lang="sr-Latn-RS" dirty="0" smtClean="0"/>
+              <a:t>linije</a:t>
+            </a:r>
+          </a:p>
+          <a:p>
+            <a:pPr marL="1314450" lvl="2" indent="-514350" algn="just"/>
+            <a:r>
+              <a:rPr lang="sr-Latn-RS" dirty="0" smtClean="0"/>
+              <a:t>nema notnu glavu/glave u blizini</a:t>
             </a:r>
             <a:endParaRPr lang="sr-Latn-RS" dirty="0" smtClean="0"/>
-          </a:p>
-          <a:p>
-            <a:pPr marL="1314450" lvl="2" indent="-514350" algn="just"/>
-            <a:r>
-              <a:rPr lang="sr-Latn-RS" dirty="0" smtClean="0"/>
-              <a:t>erozija/dilatacija sa vertikalnim kernelom</a:t>
-            </a:r>
-          </a:p>
-          <a:p>
-            <a:pPr marL="914400" lvl="1" indent="-514350" algn="just"/>
-            <a:r>
-              <a:rPr lang="sr-Latn-RS" dirty="0" smtClean="0"/>
-              <a:t>notnih rebara</a:t>
-            </a:r>
-          </a:p>
-          <a:p>
-            <a:pPr marL="1314450" lvl="2" indent="-514350" algn="just"/>
-            <a:r>
-              <a:rPr lang="sr-Latn-RS" dirty="0" smtClean="0"/>
-              <a:t>erozija/dilatacija sa horizontalnim kernelom</a:t>
-            </a:r>
-          </a:p>
-          <a:p>
-            <a:pPr marL="1314450" lvl="2" indent="-514350" algn="just"/>
-            <a:r>
-              <a:rPr lang="sr-Latn-RS" dirty="0" smtClean="0"/>
-              <a:t>prepoznat region ne mora biti potpuno horizontalan</a:t>
-            </a:r>
-          </a:p>
-          <a:p>
-            <a:pPr marL="1314450" lvl="2" indent="-514350" algn="just"/>
-            <a:r>
-              <a:rPr lang="sr-Latn-RS" dirty="0" smtClean="0"/>
-              <a:t>uglavnom različite debljine od notne linije</a:t>
-            </a:r>
-          </a:p>
-          <a:p>
-            <a:pPr marL="914400" lvl="1" indent="-514350" algn="just"/>
-            <a:r>
-              <a:rPr lang="sr-Latn-RS" dirty="0" smtClean="0"/>
-              <a:t>notnih glava</a:t>
-            </a:r>
-          </a:p>
-          <a:p>
-            <a:pPr marL="1314450" lvl="2" indent="-514350" algn="just"/>
-            <a:r>
-              <a:rPr lang="sr-Latn-RS" dirty="0" smtClean="0"/>
-              <a:t>puna ili prazna</a:t>
-            </a:r>
-          </a:p>
-          <a:p>
-            <a:pPr marL="1314450" lvl="2" indent="-514350" algn="just"/>
-            <a:r>
-              <a:rPr lang="sr-Latn-RS" dirty="0" smtClean="0"/>
-              <a:t>erozija/dilatacija sa elipsastim/krstastim kernelom</a:t>
-            </a:r>
-          </a:p>
-          <a:p>
-            <a:pPr marL="1314450" lvl="2" indent="-514350" algn="just"/>
-            <a:r>
-              <a:rPr lang="sr-Latn-RS" dirty="0" smtClean="0"/>
-              <a:t>prepoznati region se prosleđuje istreniranoj neuronskoj mreži</a:t>
-            </a:r>
-          </a:p>
-          <a:p>
-            <a:pPr marL="1314450" lvl="2" indent="-514350" algn="just"/>
-            <a:r>
-              <a:rPr lang="sr-Latn-RS" dirty="0" smtClean="0"/>
-              <a:t>neuronska mreža je trenirana sa prikupljenim datasetom</a:t>
-            </a:r>
-          </a:p>
-          <a:p>
-            <a:pPr marL="914400" lvl="1" indent="-514350" algn="just"/>
-            <a:r>
-              <a:rPr lang="sr-Latn-RS" dirty="0" smtClean="0"/>
-              <a:t>notnih zastavica</a:t>
-            </a:r>
-          </a:p>
-          <a:p>
-            <a:pPr marL="1314450" lvl="2" indent="-514350" algn="just"/>
-            <a:r>
-              <a:rPr lang="sr-Latn-RS" dirty="0" smtClean="0"/>
-              <a:t>erozija/dilatacija sa elipsastim/krstastim kernelom</a:t>
-            </a:r>
           </a:p>
           <a:p>
             <a:pPr marL="914400" lvl="1" indent="-514350" algn="just"/>
@@ -3503,149 +3529,6 @@
           </a:p>
         </p:txBody>
       </p:sp>
-      <p:pic>
-        <p:nvPicPr>
-          <p:cNvPr id="7170" name="Picture 2" descr="https://upload.wikimedia.org/wikipedia/sh/7/7b/Izgled_note.jpg"/>
-          <p:cNvPicPr>
-            <a:picLocks noChangeAspect="1" noChangeArrowheads="1"/>
-          </p:cNvPicPr>
-          <p:nvPr/>
-        </p:nvPicPr>
-        <p:blipFill>
-          <a:blip r:embed="rId2" cstate="print"/>
-          <a:srcRect/>
-          <a:stretch>
-            <a:fillRect/>
-          </a:stretch>
-        </p:blipFill>
-        <p:spPr bwMode="auto">
-          <a:xfrm>
-            <a:off x="7010400" y="3505200"/>
-            <a:ext cx="723900" cy="987456"/>
-          </a:xfrm>
-          <a:prstGeom prst="rect">
-            <a:avLst/>
-          </a:prstGeom>
-          <a:noFill/>
-        </p:spPr>
-      </p:pic>
-      <p:pic>
-        <p:nvPicPr>
-          <p:cNvPr id="7172" name="Picture 4" descr="Osmina note.jpg">
-            <a:hlinkClick r:id="rId3"/>
-          </p:cNvPr>
-          <p:cNvPicPr>
-            <a:picLocks noChangeAspect="1" noChangeArrowheads="1"/>
-          </p:cNvPicPr>
-          <p:nvPr/>
-        </p:nvPicPr>
-        <p:blipFill>
-          <a:blip r:embed="rId4"/>
-          <a:srcRect/>
-          <a:stretch>
-            <a:fillRect/>
-          </a:stretch>
-        </p:blipFill>
-        <p:spPr bwMode="auto">
-          <a:xfrm>
-            <a:off x="8229600" y="3581400"/>
-            <a:ext cx="190500" cy="342901"/>
-          </a:xfrm>
-          <a:prstGeom prst="rect">
-            <a:avLst/>
-          </a:prstGeom>
-          <a:noFill/>
-        </p:spPr>
-      </p:pic>
-      <p:pic>
-        <p:nvPicPr>
-          <p:cNvPr id="7173" name="Picture 5" descr="Osmina note.jpg">
-            <a:hlinkClick r:id="rId3"/>
-          </p:cNvPr>
-          <p:cNvPicPr>
-            <a:picLocks noChangeAspect="1" noChangeArrowheads="1"/>
-          </p:cNvPicPr>
-          <p:nvPr/>
-        </p:nvPicPr>
-        <p:blipFill>
-          <a:blip r:embed="rId4"/>
-          <a:srcRect/>
-          <a:stretch>
-            <a:fillRect/>
-          </a:stretch>
-        </p:blipFill>
-        <p:spPr bwMode="auto">
-          <a:xfrm>
-            <a:off x="8458200" y="3581400"/>
-            <a:ext cx="190500" cy="342901"/>
-          </a:xfrm>
-          <a:prstGeom prst="rect">
-            <a:avLst/>
-          </a:prstGeom>
-          <a:noFill/>
-        </p:spPr>
-      </p:pic>
-      <p:pic>
-        <p:nvPicPr>
-          <p:cNvPr id="7174" name="Picture 6" descr="Dve osmine.jpg">
-            <a:hlinkClick r:id="rId5"/>
-          </p:cNvPr>
-          <p:cNvPicPr>
-            <a:picLocks noChangeAspect="1" noChangeArrowheads="1"/>
-          </p:cNvPicPr>
-          <p:nvPr/>
-        </p:nvPicPr>
-        <p:blipFill>
-          <a:blip r:embed="rId6"/>
-          <a:srcRect/>
-          <a:stretch>
-            <a:fillRect/>
-          </a:stretch>
-        </p:blipFill>
-        <p:spPr bwMode="auto">
-          <a:xfrm>
-            <a:off x="8153400" y="4038600"/>
-            <a:ext cx="476250" cy="390526"/>
-          </a:xfrm>
-          <a:prstGeom prst="rect">
-            <a:avLst/>
-          </a:prstGeom>
-          <a:noFill/>
-        </p:spPr>
-      </p:pic>
-      <p:pic>
-        <p:nvPicPr>
-          <p:cNvPr id="7175" name="Picture 7"/>
-          <p:cNvPicPr>
-            <a:picLocks noChangeAspect="1" noChangeArrowheads="1"/>
-          </p:cNvPicPr>
-          <p:nvPr/>
-        </p:nvPicPr>
-        <p:blipFill>
-          <a:blip r:embed="rId7"/>
-          <a:srcRect/>
-          <a:stretch>
-            <a:fillRect/>
-          </a:stretch>
-        </p:blipFill>
-        <p:spPr bwMode="auto">
-          <a:xfrm>
-            <a:off x="6172200" y="4648200"/>
-            <a:ext cx="2676524" cy="980136"/>
-          </a:xfrm>
-          <a:prstGeom prst="rect">
-            <a:avLst/>
-          </a:prstGeom>
-          <a:noFill/>
-          <a:ln w="9525">
-            <a:noFill/>
-            <a:miter lim="800000"/>
-            <a:headEnd/>
-            <a:tailEnd/>
-          </a:ln>
-          <a:effectLst/>
-        </p:spPr>
-      </p:pic>
     </p:spTree>
   </p:cSld>
   <p:clrMapOvr>
@@ -3711,6 +3594,365 @@
           </a:bodyPr>
           <a:lstStyle/>
           <a:p>
+            <a:pPr marL="514350" indent="-514350" algn="just"/>
+            <a:r>
+              <a:rPr lang="sr-Latn-RS" dirty="0" smtClean="0"/>
+              <a:t>Prepoznavanje nota:</a:t>
+            </a:r>
+          </a:p>
+          <a:p>
+            <a:pPr marL="914400" lvl="1" indent="-514350" algn="just"/>
+            <a:r>
+              <a:rPr lang="sr-Latn-RS" dirty="0" smtClean="0"/>
+              <a:t>notnih vratova</a:t>
+            </a:r>
+          </a:p>
+          <a:p>
+            <a:pPr marL="1314450" lvl="2" indent="-514350" algn="just"/>
+            <a:r>
+              <a:rPr lang="sr-Latn-RS" dirty="0" smtClean="0"/>
+              <a:t>iste </a:t>
+            </a:r>
+            <a:r>
+              <a:rPr lang="sr-Latn-RS" dirty="0" smtClean="0"/>
+              <a:t>metod</a:t>
+            </a:r>
+            <a:r>
+              <a:rPr lang="en-US" dirty="0" smtClean="0"/>
+              <a:t>e</a:t>
+            </a:r>
+            <a:r>
+              <a:rPr lang="sr-Latn-RS" dirty="0" smtClean="0"/>
+              <a:t> </a:t>
+            </a:r>
+            <a:r>
+              <a:rPr lang="sr-Latn-RS" dirty="0" smtClean="0"/>
+              <a:t>kao kod prepoznavanje taktova</a:t>
+            </a:r>
+          </a:p>
+          <a:p>
+            <a:pPr marL="1314450" lvl="2" indent="-514350" algn="just"/>
+            <a:r>
+              <a:rPr lang="sr-Latn-RS" dirty="0" smtClean="0"/>
+              <a:t>različite pozicije i dužine</a:t>
+            </a:r>
+          </a:p>
+          <a:p>
+            <a:pPr marL="1314450" lvl="2" indent="-514350" algn="just"/>
+            <a:r>
+              <a:rPr lang="sr-Latn-RS" dirty="0" smtClean="0"/>
+              <a:t>ima notnu glavu/glave u blizini</a:t>
+            </a:r>
+          </a:p>
+          <a:p>
+            <a:pPr marL="1314450" lvl="2" indent="-514350" algn="just"/>
+            <a:r>
+              <a:rPr lang="sr-Latn-RS" dirty="0" smtClean="0"/>
+              <a:t>uklanjanje i </a:t>
+            </a:r>
+            <a:r>
+              <a:rPr lang="sr-Latn-RS" dirty="0" smtClean="0"/>
+              <a:t>pamćenje</a:t>
+            </a:r>
+            <a:r>
+              <a:rPr lang="sr-Cyrl-RS" dirty="0" smtClean="0"/>
+              <a:t> </a:t>
+            </a:r>
+            <a:r>
+              <a:rPr lang="sr-Latn-RS" dirty="0" smtClean="0"/>
+              <a:t>regiona</a:t>
+            </a:r>
+            <a:endParaRPr lang="sr-Latn-RS" dirty="0" smtClean="0"/>
+          </a:p>
+          <a:p>
+            <a:pPr marL="914400" lvl="1" indent="-514350" algn="just"/>
+            <a:r>
+              <a:rPr lang="sr-Latn-RS" dirty="0" smtClean="0"/>
+              <a:t>notnih rebara</a:t>
+            </a:r>
+          </a:p>
+          <a:p>
+            <a:pPr marL="1314450" lvl="2" indent="-514350" algn="just"/>
+            <a:r>
+              <a:rPr lang="sr-Latn-RS" dirty="0" smtClean="0"/>
+              <a:t>morfološke operacije</a:t>
+            </a:r>
+            <a:r>
+              <a:rPr lang="sr-Latn-RS" dirty="0" smtClean="0"/>
+              <a:t> </a:t>
+            </a:r>
+            <a:r>
+              <a:rPr lang="sr-Latn-RS" dirty="0" smtClean="0"/>
+              <a:t>sa horizontalnim kernelom</a:t>
+            </a:r>
+          </a:p>
+          <a:p>
+            <a:pPr marL="1314450" lvl="2" indent="-514350" algn="just"/>
+            <a:r>
+              <a:rPr lang="sr-Latn-RS" dirty="0" smtClean="0"/>
+              <a:t>prepoznat region ne mora biti potpuno horizontalan</a:t>
+            </a:r>
+          </a:p>
+          <a:p>
+            <a:pPr marL="1314450" lvl="2" indent="-514350" algn="just"/>
+            <a:r>
+              <a:rPr lang="sr-Latn-RS" dirty="0" smtClean="0"/>
+              <a:t>uglavnom različite debljine od notne </a:t>
+            </a:r>
+            <a:r>
+              <a:rPr lang="sr-Latn-RS" dirty="0" smtClean="0"/>
+              <a:t>linije</a:t>
+            </a:r>
+            <a:endParaRPr lang="en-US" dirty="0" smtClean="0"/>
+          </a:p>
+          <a:p>
+            <a:pPr marL="1314450" lvl="2" indent="-514350" algn="just"/>
+            <a:r>
+              <a:rPr lang="en-US" dirty="0" smtClean="0"/>
+              <a:t>region se </a:t>
+            </a:r>
+            <a:r>
+              <a:rPr lang="sr-Latn-RS" noProof="1" smtClean="0"/>
+              <a:t>prosle</a:t>
+            </a:r>
+            <a:r>
+              <a:rPr lang="sr-Latn-RS" dirty="0" smtClean="0"/>
+              <a:t>đuje istreniranoj neuronskoj mreži</a:t>
+            </a:r>
+          </a:p>
+          <a:p>
+            <a:pPr marL="914400" lvl="1" indent="-514350" algn="just"/>
+            <a:r>
+              <a:rPr lang="sr-Latn-RS" dirty="0" smtClean="0"/>
+              <a:t>notnih </a:t>
+            </a:r>
+            <a:r>
+              <a:rPr lang="sr-Latn-RS" dirty="0" smtClean="0"/>
+              <a:t>glava</a:t>
+            </a:r>
+          </a:p>
+          <a:p>
+            <a:pPr marL="1314450" lvl="2" indent="-514350" algn="just"/>
+            <a:r>
+              <a:rPr lang="sr-Latn-RS" dirty="0" smtClean="0"/>
+              <a:t>puna ili prazna</a:t>
+            </a:r>
+          </a:p>
+          <a:p>
+            <a:pPr marL="1314450" lvl="2" indent="-514350" algn="just"/>
+            <a:r>
+              <a:rPr lang="sr-Latn-RS" dirty="0" smtClean="0"/>
+              <a:t>morfološke operacije </a:t>
+            </a:r>
+            <a:r>
+              <a:rPr lang="sr-Latn-RS" dirty="0" smtClean="0"/>
+              <a:t>sa </a:t>
+            </a:r>
+            <a:r>
+              <a:rPr lang="sr-Latn-RS" dirty="0" smtClean="0"/>
+              <a:t>elipsastim/krstastim kernelom</a:t>
+            </a:r>
+          </a:p>
+          <a:p>
+            <a:pPr marL="1314450" lvl="2" indent="-514350" algn="just"/>
+            <a:r>
+              <a:rPr lang="sr-Latn-RS" dirty="0" smtClean="0"/>
+              <a:t>prepoznati region se prosleđuje istreniranoj neuronskoj mreži</a:t>
+            </a:r>
+          </a:p>
+          <a:p>
+            <a:pPr marL="914400" lvl="1" indent="-514350" algn="just"/>
+            <a:r>
+              <a:rPr lang="sr-Latn-RS" dirty="0" smtClean="0"/>
+              <a:t>notnih </a:t>
+            </a:r>
+            <a:r>
+              <a:rPr lang="sr-Latn-RS" dirty="0" smtClean="0"/>
+              <a:t>zastavica</a:t>
+            </a:r>
+          </a:p>
+          <a:p>
+            <a:pPr marL="1314450" lvl="2" indent="-514350" algn="just"/>
+            <a:r>
+              <a:rPr lang="sr-Latn-RS" dirty="0" smtClean="0"/>
+              <a:t>morfološke </a:t>
+            </a:r>
+            <a:r>
+              <a:rPr lang="sr-Latn-RS" dirty="0" smtClean="0"/>
+              <a:t>operacije</a:t>
+            </a:r>
+          </a:p>
+          <a:p>
+            <a:pPr marL="1314450" lvl="2" indent="-514350" algn="just"/>
+            <a:r>
+              <a:rPr lang="sr-Latn-RS" dirty="0" smtClean="0"/>
+              <a:t>prepoznati region se prosleđuje istreniranoj neuronskoj </a:t>
+            </a:r>
+            <a:r>
+              <a:rPr lang="sr-Latn-RS" dirty="0" smtClean="0"/>
+              <a:t>mreži</a:t>
+            </a:r>
+            <a:endParaRPr lang="sr-Latn-RS" dirty="0" smtClean="0"/>
+          </a:p>
+        </p:txBody>
+      </p:sp>
+      <p:pic>
+        <p:nvPicPr>
+          <p:cNvPr id="4" name="Picture 2" descr="https://upload.wikimedia.org/wikipedia/sh/7/7b/Izgled_note.jpg"/>
+          <p:cNvPicPr>
+            <a:picLocks noChangeAspect="1" noChangeArrowheads="1"/>
+          </p:cNvPicPr>
+          <p:nvPr/>
+        </p:nvPicPr>
+        <p:blipFill>
+          <a:blip r:embed="rId2" cstate="print"/>
+          <a:srcRect/>
+          <a:stretch>
+            <a:fillRect/>
+          </a:stretch>
+        </p:blipFill>
+        <p:spPr bwMode="auto">
+          <a:xfrm>
+            <a:off x="7239000" y="1828800"/>
+            <a:ext cx="723900" cy="987456"/>
+          </a:xfrm>
+          <a:prstGeom prst="rect">
+            <a:avLst/>
+          </a:prstGeom>
+          <a:noFill/>
+        </p:spPr>
+      </p:pic>
+      <p:pic>
+        <p:nvPicPr>
+          <p:cNvPr id="8" name="Picture 7"/>
+          <p:cNvPicPr>
+            <a:picLocks noChangeAspect="1" noChangeArrowheads="1"/>
+          </p:cNvPicPr>
+          <p:nvPr/>
+        </p:nvPicPr>
+        <p:blipFill>
+          <a:blip r:embed="rId3" cstate="print"/>
+          <a:srcRect/>
+          <a:stretch>
+            <a:fillRect/>
+          </a:stretch>
+        </p:blipFill>
+        <p:spPr bwMode="auto">
+          <a:xfrm>
+            <a:off x="6858000" y="4267200"/>
+            <a:ext cx="1609724" cy="980136"/>
+          </a:xfrm>
+          <a:prstGeom prst="rect">
+            <a:avLst/>
+          </a:prstGeom>
+          <a:noFill/>
+          <a:ln w="9525">
+            <a:noFill/>
+            <a:miter lim="800000"/>
+            <a:headEnd/>
+            <a:tailEnd/>
+          </a:ln>
+          <a:effectLst/>
+        </p:spPr>
+      </p:pic>
+      <p:pic>
+        <p:nvPicPr>
+          <p:cNvPr id="1027" name="Picture 3"/>
+          <p:cNvPicPr>
+            <a:picLocks noChangeAspect="1" noChangeArrowheads="1"/>
+          </p:cNvPicPr>
+          <p:nvPr/>
+        </p:nvPicPr>
+        <p:blipFill>
+          <a:blip r:embed="rId4"/>
+          <a:srcRect/>
+          <a:stretch>
+            <a:fillRect/>
+          </a:stretch>
+        </p:blipFill>
+        <p:spPr bwMode="auto">
+          <a:xfrm>
+            <a:off x="6172200" y="3200400"/>
+            <a:ext cx="2095500" cy="707940"/>
+          </a:xfrm>
+          <a:prstGeom prst="rect">
+            <a:avLst/>
+          </a:prstGeom>
+          <a:noFill/>
+          <a:ln w="9525">
+            <a:noFill/>
+            <a:miter lim="800000"/>
+            <a:headEnd/>
+            <a:tailEnd/>
+          </a:ln>
+          <a:effectLst/>
+        </p:spPr>
+      </p:pic>
+    </p:spTree>
+  </p:cSld>
+  <p:clrMapOvr>
+    <a:masterClrMapping/>
+  </p:clrMapOvr>
+</p:sld>
+</file>
+
+<file path=ppt/slides/slide12.xml><?xml version="1.0" encoding="utf-8"?>
+<p:sld xmlns:a="http://schemas.openxmlformats.org/drawingml/2006/main" xmlns:r="http://schemas.openxmlformats.org/officeDocument/2006/relationships" xmlns:p="http://schemas.openxmlformats.org/presentationml/2006/main">
+  <p:cSld>
+    <p:spTree>
+      <p:nvGrpSpPr>
+        <p:cNvPr id="1" name=""/>
+        <p:cNvGrpSpPr/>
+        <p:nvPr/>
+      </p:nvGrpSpPr>
+      <p:grpSpPr>
+        <a:xfrm>
+          <a:off x="0" y="0"/>
+          <a:ext cx="0" cy="0"/>
+          <a:chOff x="0" y="0"/>
+          <a:chExt cx="0" cy="0"/>
+        </a:xfrm>
+      </p:grpSpPr>
+      <p:sp>
+        <p:nvSpPr>
+          <p:cNvPr id="2" name="Title 1"/>
+          <p:cNvSpPr>
+            <a:spLocks noGrp="1"/>
+          </p:cNvSpPr>
+          <p:nvPr>
+            <p:ph type="title"/>
+          </p:nvPr>
+        </p:nvSpPr>
+        <p:spPr/>
+        <p:txBody>
+          <a:bodyPr/>
+          <a:lstStyle/>
+          <a:p>
+            <a:r>
+              <a:rPr lang="sr-Latn-RS" dirty="0" smtClean="0"/>
+              <a:t>Faze projekta</a:t>
+            </a:r>
+            <a:endParaRPr lang="en-US" dirty="0"/>
+          </a:p>
+        </p:txBody>
+      </p:sp>
+      <p:sp>
+        <p:nvSpPr>
+          <p:cNvPr id="3" name="Content Placeholder 2"/>
+          <p:cNvSpPr>
+            <a:spLocks noGrp="1"/>
+          </p:cNvSpPr>
+          <p:nvPr>
+            <p:ph idx="1"/>
+          </p:nvPr>
+        </p:nvSpPr>
+        <p:spPr/>
+        <p:txBody>
+          <a:bodyPr>
+            <a:normAutofit fontScale="62500" lnSpcReduction="20000"/>
+          </a:bodyPr>
+          <a:lstStyle/>
+          <a:p>
             <a:pPr marL="914400" lvl="1" indent="-514350" algn="just"/>
             <a:endParaRPr lang="sr-Latn-RS" dirty="0" smtClean="0"/>
           </a:p>
@@ -3823,11 +4065,7 @@
             </a:r>
             <a:r>
               <a:rPr lang="sr-Latn-RS" i="1" dirty="0" smtClean="0"/>
-              <a:t> Allegro, Vivo, Adagio, Andante</a:t>
-            </a:r>
-            <a:r>
-              <a:rPr lang="sr-Latn-RS" i="1" dirty="0" smtClean="0"/>
-              <a:t>...</a:t>
+              <a:t> Allegro, Vivo, Adagio, Andante...</a:t>
             </a:r>
             <a:r>
               <a:rPr lang="sr-Latn-RS" dirty="0" smtClean="0"/>
@@ -3849,7 +4087,6 @@
               <a:rPr lang="sr-Latn-RS" noProof="1" smtClean="0"/>
               <a:t>korona</a:t>
             </a:r>
-            <a:endParaRPr lang="sr-Latn-RS" noProof="1" smtClean="0"/>
           </a:p>
           <a:p>
             <a:pPr marL="914400" lvl="1" indent="-514350" algn="just"/>
@@ -3857,17 +4094,12 @@
               <a:rPr lang="sr-Latn-RS" noProof="1" smtClean="0"/>
               <a:t>repeticija</a:t>
             </a:r>
-            <a:endParaRPr lang="sr-Latn-RS" noProof="1" smtClean="0"/>
           </a:p>
           <a:p>
             <a:pPr marL="514350" indent="-514350" algn="just"/>
             <a:r>
               <a:rPr lang="sr-Latn-RS" dirty="0" smtClean="0"/>
-              <a:t>Prepoznavanje </a:t>
-            </a:r>
-            <a:r>
-              <a:rPr lang="sr-Latn-RS" dirty="0" smtClean="0"/>
-              <a:t>više deonica u istom vremenskom toku</a:t>
+              <a:t>Prepoznavanje više deonica u istom vremenskom toku</a:t>
             </a:r>
           </a:p>
           <a:p>
@@ -4160,119 +4392,6 @@
 </p:sld>
 </file>
 
-<file path=ppt/slides/slide12.xml><?xml version="1.0" encoding="utf-8"?>
-<p:sld xmlns:a="http://schemas.openxmlformats.org/drawingml/2006/main" xmlns:r="http://schemas.openxmlformats.org/officeDocument/2006/relationships" xmlns:p="http://schemas.openxmlformats.org/presentationml/2006/main">
-  <p:cSld>
-    <p:spTree>
-      <p:nvGrpSpPr>
-        <p:cNvPr id="1" name=""/>
-        <p:cNvGrpSpPr/>
-        <p:nvPr/>
-      </p:nvGrpSpPr>
-      <p:grpSpPr>
-        <a:xfrm>
-          <a:off x="0" y="0"/>
-          <a:ext cx="0" cy="0"/>
-          <a:chOff x="0" y="0"/>
-          <a:chExt cx="0" cy="0"/>
-        </a:xfrm>
-      </p:grpSpPr>
-      <p:sp>
-        <p:nvSpPr>
-          <p:cNvPr id="2" name="Title 1"/>
-          <p:cNvSpPr>
-            <a:spLocks noGrp="1"/>
-          </p:cNvSpPr>
-          <p:nvPr>
-            <p:ph type="title"/>
-          </p:nvPr>
-        </p:nvSpPr>
-        <p:spPr/>
-        <p:txBody>
-          <a:bodyPr/>
-          <a:lstStyle/>
-          <a:p>
-            <a:r>
-              <a:rPr lang="sr-Latn-RS" dirty="0" smtClean="0"/>
-              <a:t>Faze projekta</a:t>
-            </a:r>
-            <a:endParaRPr lang="en-US" dirty="0"/>
-          </a:p>
-        </p:txBody>
-      </p:sp>
-      <p:sp>
-        <p:nvSpPr>
-          <p:cNvPr id="3" name="Content Placeholder 2"/>
-          <p:cNvSpPr>
-            <a:spLocks noGrp="1"/>
-          </p:cNvSpPr>
-          <p:nvPr>
-            <p:ph idx="1"/>
-          </p:nvPr>
-        </p:nvSpPr>
-        <p:spPr/>
-        <p:txBody>
-          <a:bodyPr/>
-          <a:lstStyle/>
-          <a:p>
-            <a:pPr marL="514350" indent="-514350" algn="just"/>
-            <a:r>
-              <a:rPr lang="sr-Latn-RS" dirty="0" smtClean="0"/>
-              <a:t>Generisanje i sviranje </a:t>
-            </a:r>
-            <a:r>
-              <a:rPr lang="sr-Latn-RS" i="1" dirty="0" smtClean="0"/>
-              <a:t>MIDI </a:t>
-            </a:r>
-            <a:r>
-              <a:rPr lang="sr-Latn-RS" dirty="0" smtClean="0"/>
-              <a:t>datoteke na osnovu prepoznate muzičke partiture</a:t>
-            </a:r>
-          </a:p>
-          <a:p>
-            <a:pPr marL="514350" indent="-514350" algn="just"/>
-            <a:r>
-              <a:rPr lang="sr-Latn-RS" dirty="0" smtClean="0"/>
-              <a:t>Generisanje </a:t>
-            </a:r>
-            <a:r>
-              <a:rPr lang="sr-Latn-RS" i="1" dirty="0" smtClean="0"/>
-              <a:t>MusicXML </a:t>
-            </a:r>
-            <a:r>
-              <a:rPr lang="sr-Latn-RS" dirty="0" smtClean="0"/>
-              <a:t>datoteke koja se može importovati u druge aplikacije za pisanje partitura</a:t>
-            </a:r>
-          </a:p>
-          <a:p>
-            <a:pPr marL="514350" indent="-514350" algn="just"/>
-            <a:r>
-              <a:rPr lang="sr-Latn-RS" dirty="0" smtClean="0"/>
-              <a:t>Pravljenje </a:t>
-            </a:r>
-            <a:r>
-              <a:rPr lang="sr-Latn-RS" i="1" dirty="0" smtClean="0"/>
-              <a:t>GUI</a:t>
-            </a:r>
-            <a:r>
-              <a:rPr lang="sr-Latn-RS" dirty="0" smtClean="0"/>
-              <a:t>-a za samostalnu aplikaciju</a:t>
-            </a:r>
-          </a:p>
-          <a:p>
-            <a:pPr algn="just"/>
-            <a:endParaRPr lang="en-US" dirty="0"/>
-          </a:p>
-        </p:txBody>
-      </p:sp>
-    </p:spTree>
-  </p:cSld>
-  <p:clrMapOvr>
-    <a:masterClrMapping/>
-  </p:clrMapOvr>
-</p:sld>
-</file>
-
 <file path=ppt/slides/slide13.xml><?xml version="1.0" encoding="utf-8"?>
 <p:sld xmlns:a="http://schemas.openxmlformats.org/drawingml/2006/main" xmlns:r="http://schemas.openxmlformats.org/officeDocument/2006/relationships" xmlns:p="http://schemas.openxmlformats.org/presentationml/2006/main">
   <p:cSld>
@@ -4307,7 +4426,7 @@
           <a:p>
             <a:r>
               <a:rPr lang="sr-Latn-RS" dirty="0" smtClean="0"/>
-              <a:t>Moguća proširenja</a:t>
+              <a:t>Faze projekta</a:t>
             </a:r>
             <a:endParaRPr lang="en-US" dirty="0"/>
           </a:p>
@@ -4328,60 +4447,52 @@
           <a:bodyPr/>
           <a:lstStyle/>
           <a:p>
+            <a:pPr marL="514350" indent="-514350" algn="just"/>
+            <a:r>
+              <a:rPr lang="sr-Latn-RS" dirty="0" smtClean="0"/>
+              <a:t>Generisanje i sviranje </a:t>
+            </a:r>
+            <a:r>
+              <a:rPr lang="sr-Latn-RS" i="1" dirty="0" smtClean="0"/>
+              <a:t>MIDI </a:t>
+            </a:r>
+            <a:r>
+              <a:rPr lang="sr-Latn-RS" dirty="0" smtClean="0"/>
+              <a:t>datoteke na osnovu prepoznate muzičke partiture</a:t>
+            </a:r>
+          </a:p>
+          <a:p>
+            <a:pPr marL="514350" indent="-514350" algn="just"/>
+            <a:r>
+              <a:rPr lang="sr-Latn-RS" dirty="0" smtClean="0"/>
+              <a:t>Generisanje </a:t>
+            </a:r>
+            <a:r>
+              <a:rPr lang="sr-Latn-RS" i="1" dirty="0" smtClean="0"/>
+              <a:t>MusicXML </a:t>
+            </a:r>
+            <a:r>
+              <a:rPr lang="sr-Latn-RS" dirty="0" smtClean="0"/>
+              <a:t>datoteke koja se može importovati u druge aplikacije za pisanje partitura</a:t>
+            </a:r>
+          </a:p>
+          <a:p>
+            <a:pPr marL="514350" indent="-514350" algn="just"/>
+            <a:r>
+              <a:rPr lang="sr-Latn-RS" dirty="0" smtClean="0"/>
+              <a:t>Pravljenje </a:t>
+            </a:r>
+            <a:r>
+              <a:rPr lang="sr-Latn-RS" i="1" dirty="0" smtClean="0"/>
+              <a:t>GUI</a:t>
+            </a:r>
+            <a:r>
+              <a:rPr lang="sr-Latn-RS" dirty="0" smtClean="0"/>
+              <a:t>-a za samostalnu aplikaciju</a:t>
+            </a:r>
+          </a:p>
+          <a:p>
             <a:pPr algn="just"/>
-            <a:r>
-              <a:rPr lang="sr-Latn-RS" dirty="0" smtClean="0"/>
-              <a:t>Proširiti funkcionalnost aplikacije da radi sa:</a:t>
-            </a:r>
-          </a:p>
-          <a:p>
-            <a:pPr lvl="1" algn="just"/>
-            <a:r>
-              <a:rPr lang="sr-Latn-RS" dirty="0" smtClean="0"/>
-              <a:t>rukom pisanim partiturama</a:t>
-            </a:r>
-          </a:p>
-          <a:p>
-            <a:pPr lvl="1" algn="just"/>
-            <a:r>
-              <a:rPr lang="sr-Latn-RS" dirty="0" smtClean="0"/>
-              <a:t>deformacijama na slici</a:t>
-            </a:r>
-          </a:p>
-          <a:p>
-            <a:pPr lvl="2" algn="just"/>
-            <a:r>
-              <a:rPr lang="sr-Latn-RS" dirty="0" smtClean="0"/>
-              <a:t>osvetljenje</a:t>
-            </a:r>
-          </a:p>
-          <a:p>
-            <a:pPr lvl="2" algn="just"/>
-            <a:r>
-              <a:rPr lang="sr-Latn-RS" dirty="0" smtClean="0"/>
-              <a:t>rotacija</a:t>
-            </a:r>
-          </a:p>
-          <a:p>
-            <a:pPr lvl="2" algn="just"/>
-            <a:r>
-              <a:rPr lang="sr-Latn-RS" dirty="0" smtClean="0"/>
-              <a:t>savijanje</a:t>
-            </a:r>
-          </a:p>
-          <a:p>
-            <a:pPr lvl="1" algn="just"/>
-            <a:r>
-              <a:rPr lang="sr-Latn-RS" dirty="0" smtClean="0"/>
-              <a:t>mogućim dodatnim treniranjem neuronskih mreža</a:t>
-            </a:r>
-          </a:p>
-          <a:p>
-            <a:pPr lvl="1" algn="just"/>
-            <a:r>
-              <a:rPr lang="sr-Latn-RS" dirty="0" smtClean="0"/>
-              <a:t>dodatnim korisnički definisanim oznakama</a:t>
-            </a:r>
             <a:endParaRPr lang="en-US" dirty="0"/>
           </a:p>
         </p:txBody>
@@ -4395,6 +4506,368 @@
 </file>
 
 <file path=ppt/slides/slide14.xml><?xml version="1.0" encoding="utf-8"?>
+<p:sld xmlns:a="http://schemas.openxmlformats.org/drawingml/2006/main" xmlns:r="http://schemas.openxmlformats.org/officeDocument/2006/relationships" xmlns:p="http://schemas.openxmlformats.org/presentationml/2006/main">
+  <p:cSld>
+    <p:spTree>
+      <p:nvGrpSpPr>
+        <p:cNvPr id="1" name=""/>
+        <p:cNvGrpSpPr/>
+        <p:nvPr/>
+      </p:nvGrpSpPr>
+      <p:grpSpPr>
+        <a:xfrm>
+          <a:off x="0" y="0"/>
+          <a:ext cx="0" cy="0"/>
+          <a:chOff x="0" y="0"/>
+          <a:chExt cx="0" cy="0"/>
+        </a:xfrm>
+      </p:grpSpPr>
+      <p:sp>
+        <p:nvSpPr>
+          <p:cNvPr id="2" name="Title 1"/>
+          <p:cNvSpPr>
+            <a:spLocks noGrp="1"/>
+          </p:cNvSpPr>
+          <p:nvPr>
+            <p:ph type="title"/>
+          </p:nvPr>
+        </p:nvSpPr>
+        <p:spPr/>
+        <p:txBody>
+          <a:bodyPr/>
+          <a:lstStyle/>
+          <a:p>
+            <a:r>
+              <a:rPr lang="sr-Latn-RS" dirty="0" smtClean="0"/>
+              <a:t>Moguća proširenja</a:t>
+            </a:r>
+            <a:endParaRPr lang="en-US" dirty="0"/>
+          </a:p>
+        </p:txBody>
+      </p:sp>
+      <p:sp>
+        <p:nvSpPr>
+          <p:cNvPr id="3" name="Content Placeholder 2"/>
+          <p:cNvSpPr>
+            <a:spLocks noGrp="1"/>
+          </p:cNvSpPr>
+          <p:nvPr>
+            <p:ph idx="1"/>
+          </p:nvPr>
+        </p:nvSpPr>
+        <p:spPr/>
+        <p:txBody>
+          <a:bodyPr/>
+          <a:lstStyle/>
+          <a:p>
+            <a:pPr algn="just"/>
+            <a:r>
+              <a:rPr lang="sr-Latn-RS" dirty="0" smtClean="0"/>
+              <a:t>Proširiti funkcionalnost aplikacije da radi sa:</a:t>
+            </a:r>
+          </a:p>
+          <a:p>
+            <a:pPr lvl="1" algn="just"/>
+            <a:r>
+              <a:rPr lang="sr-Latn-RS" dirty="0" smtClean="0"/>
+              <a:t>rukom pisanim partiturama</a:t>
+            </a:r>
+          </a:p>
+          <a:p>
+            <a:pPr lvl="1" algn="just"/>
+            <a:r>
+              <a:rPr lang="sr-Latn-RS" dirty="0" smtClean="0"/>
+              <a:t>deformacijama na slici</a:t>
+            </a:r>
+          </a:p>
+          <a:p>
+            <a:pPr lvl="2" algn="just"/>
+            <a:r>
+              <a:rPr lang="sr-Latn-RS" dirty="0" smtClean="0"/>
+              <a:t>osvetljenje</a:t>
+            </a:r>
+          </a:p>
+          <a:p>
+            <a:pPr lvl="2" algn="just"/>
+            <a:r>
+              <a:rPr lang="sr-Latn-RS" dirty="0" smtClean="0"/>
+              <a:t>rotacija</a:t>
+            </a:r>
+          </a:p>
+          <a:p>
+            <a:pPr lvl="2" algn="just"/>
+            <a:r>
+              <a:rPr lang="sr-Latn-RS" dirty="0" smtClean="0"/>
+              <a:t>savijanje</a:t>
+            </a:r>
+          </a:p>
+          <a:p>
+            <a:pPr lvl="1" algn="just"/>
+            <a:r>
+              <a:rPr lang="sr-Latn-RS" dirty="0" smtClean="0"/>
+              <a:t>mogućim dodatnim treniranjem neuronskih mreža</a:t>
+            </a:r>
+          </a:p>
+          <a:p>
+            <a:pPr lvl="1" algn="just"/>
+            <a:r>
+              <a:rPr lang="sr-Latn-RS" dirty="0" smtClean="0"/>
+              <a:t>dodatnim korisnički definisanim oznakama</a:t>
+            </a:r>
+            <a:endParaRPr lang="en-US" dirty="0"/>
+          </a:p>
+        </p:txBody>
+      </p:sp>
+    </p:spTree>
+  </p:cSld>
+  <p:clrMapOvr>
+    <a:masterClrMapping/>
+  </p:clrMapOvr>
+</p:sld>
+</file>
+
+<file path=ppt/slides/slide15.xml><?xml version="1.0" encoding="utf-8"?>
+<p:sld xmlns:a="http://schemas.openxmlformats.org/drawingml/2006/main" xmlns:r="http://schemas.openxmlformats.org/officeDocument/2006/relationships" xmlns:p="http://schemas.openxmlformats.org/presentationml/2006/main">
+  <p:cSld>
+    <p:spTree>
+      <p:nvGrpSpPr>
+        <p:cNvPr id="1" name=""/>
+        <p:cNvGrpSpPr/>
+        <p:nvPr/>
+      </p:nvGrpSpPr>
+      <p:grpSpPr>
+        <a:xfrm>
+          <a:off x="0" y="0"/>
+          <a:ext cx="0" cy="0"/>
+          <a:chOff x="0" y="0"/>
+          <a:chExt cx="0" cy="0"/>
+        </a:xfrm>
+      </p:grpSpPr>
+      <p:sp>
+        <p:nvSpPr>
+          <p:cNvPr id="2" name="Title 1"/>
+          <p:cNvSpPr>
+            <a:spLocks noGrp="1"/>
+          </p:cNvSpPr>
+          <p:nvPr>
+            <p:ph type="title"/>
+          </p:nvPr>
+        </p:nvSpPr>
+        <p:spPr/>
+        <p:txBody>
+          <a:bodyPr/>
+          <a:lstStyle/>
+          <a:p>
+            <a:r>
+              <a:rPr lang="sr-Latn-RS" dirty="0" smtClean="0"/>
+              <a:t>Dataset</a:t>
+            </a:r>
+            <a:endParaRPr lang="en-US" dirty="0"/>
+          </a:p>
+        </p:txBody>
+      </p:sp>
+      <p:sp>
+        <p:nvSpPr>
+          <p:cNvPr id="3" name="Content Placeholder 2"/>
+          <p:cNvSpPr>
+            <a:spLocks noGrp="1"/>
+          </p:cNvSpPr>
+          <p:nvPr>
+            <p:ph idx="1"/>
+          </p:nvPr>
+        </p:nvSpPr>
+        <p:spPr>
+          <a:xfrm>
+            <a:off x="457200" y="1600200"/>
+            <a:ext cx="8229600" cy="5257800"/>
+          </a:xfrm>
+        </p:spPr>
+        <p:txBody>
+          <a:bodyPr>
+            <a:normAutofit fontScale="55000" lnSpcReduction="20000"/>
+          </a:bodyPr>
+          <a:lstStyle/>
+          <a:p>
+            <a:r>
+              <a:rPr lang="sr-Latn-RS" dirty="0" smtClean="0"/>
+              <a:t>Neuronsku mrežu treba istrenirati sa prikupljenim datasetom:</a:t>
+            </a:r>
+          </a:p>
+          <a:p>
+            <a:pPr lvl="1"/>
+            <a:r>
+              <a:rPr lang="sr-Latn-RS" dirty="0" smtClean="0"/>
+              <a:t>već napravljenog (</a:t>
+            </a:r>
+            <a:r>
+              <a:rPr lang="sr-Latn-RS" i="1" dirty="0" smtClean="0"/>
+              <a:t>OpenOMR, </a:t>
+            </a:r>
+            <a:r>
+              <a:rPr lang="sr-Latn-RS" dirty="0" smtClean="0"/>
+              <a:t>sadrži linije)</a:t>
+            </a:r>
+          </a:p>
+          <a:p>
+            <a:pPr lvl="1"/>
+            <a:r>
+              <a:rPr lang="sr-Latn-RS" dirty="0" smtClean="0"/>
+              <a:t>ručno napravljenog</a:t>
+            </a:r>
+          </a:p>
+          <a:p>
+            <a:pPr lvl="2"/>
+            <a:r>
+              <a:rPr lang="sr-Latn-RS" dirty="0" smtClean="0"/>
+              <a:t>sa notnim linijama</a:t>
+            </a:r>
+          </a:p>
+          <a:p>
+            <a:pPr lvl="2"/>
+            <a:r>
+              <a:rPr lang="sr-Latn-RS" dirty="0" smtClean="0"/>
+              <a:t>bez notnih linija</a:t>
+            </a:r>
+          </a:p>
+          <a:p>
+            <a:r>
+              <a:rPr lang="sr-Latn-RS" dirty="0" smtClean="0"/>
+              <a:t>Treba da sadrži:</a:t>
+            </a:r>
+          </a:p>
+          <a:p>
+            <a:pPr lvl="1"/>
+            <a:r>
+              <a:rPr lang="sr-Latn-RS" dirty="0" smtClean="0"/>
+              <a:t>notne glave</a:t>
+            </a:r>
+          </a:p>
+          <a:p>
+            <a:pPr lvl="2"/>
+            <a:r>
+              <a:rPr lang="sr-Latn-RS" dirty="0" smtClean="0"/>
+              <a:t>pune</a:t>
+            </a:r>
+          </a:p>
+          <a:p>
+            <a:pPr lvl="2"/>
+            <a:r>
+              <a:rPr lang="sr-Latn-RS" dirty="0" smtClean="0"/>
+              <a:t>prazne</a:t>
+            </a:r>
+          </a:p>
+          <a:p>
+            <a:pPr lvl="1"/>
+            <a:r>
+              <a:rPr lang="sr-Latn-RS" dirty="0" smtClean="0"/>
+              <a:t>notna rebra</a:t>
+            </a:r>
+          </a:p>
+          <a:p>
+            <a:pPr lvl="2"/>
+            <a:r>
+              <a:rPr lang="sr-Latn-RS" dirty="0" smtClean="0"/>
+              <a:t>za svaku dužinu trajanja note</a:t>
+            </a:r>
+          </a:p>
+          <a:p>
+            <a:pPr lvl="2"/>
+            <a:r>
+              <a:rPr lang="sr-Latn-RS" dirty="0" smtClean="0"/>
+              <a:t>pod različitim uglovima</a:t>
+            </a:r>
+          </a:p>
+          <a:p>
+            <a:pPr lvl="1"/>
+            <a:r>
+              <a:rPr lang="sr-Latn-RS" dirty="0" smtClean="0"/>
+              <a:t>notne zastave</a:t>
+            </a:r>
+          </a:p>
+          <a:p>
+            <a:pPr lvl="2"/>
+            <a:r>
+              <a:rPr lang="sr-Latn-RS" dirty="0" smtClean="0"/>
+              <a:t>za svaku dužinu trajanja </a:t>
+            </a:r>
+            <a:r>
+              <a:rPr lang="sr-Latn-RS" dirty="0" smtClean="0"/>
+              <a:t>note</a:t>
+            </a:r>
+          </a:p>
+          <a:p>
+            <a:pPr lvl="1"/>
+            <a:r>
+              <a:rPr lang="sr-Latn-RS" dirty="0" smtClean="0"/>
+              <a:t>ostale  elemente:</a:t>
+            </a:r>
+          </a:p>
+          <a:p>
+            <a:pPr marL="914400" lvl="1" indent="-514350" algn="just"/>
+            <a:r>
+              <a:rPr lang="sr-Latn-RS" dirty="0" smtClean="0"/>
+              <a:t>pauze</a:t>
+            </a:r>
+          </a:p>
+          <a:p>
+            <a:pPr marL="914400" lvl="1" indent="-514350" algn="just"/>
+            <a:r>
+              <a:rPr lang="sr-Latn-RS" dirty="0" smtClean="0"/>
+              <a:t>povisilice, snizilice, razrešilice</a:t>
+            </a:r>
+          </a:p>
+          <a:p>
+            <a:pPr marL="914400" lvl="1" indent="-514350" algn="just"/>
+            <a:r>
+              <a:rPr lang="sr-Latn-RS" dirty="0" smtClean="0"/>
+              <a:t>ključeve </a:t>
+            </a:r>
+            <a:r>
+              <a:rPr lang="sr-Latn-RS" dirty="0" smtClean="0"/>
+              <a:t>(violinski, bas)</a:t>
+            </a:r>
+          </a:p>
+          <a:p>
+            <a:pPr marL="914400" lvl="1" indent="-514350" algn="just"/>
+            <a:r>
+              <a:rPr lang="sr-Latn-RS" dirty="0" smtClean="0"/>
+              <a:t>brojeve (za dužinu takta)</a:t>
+            </a:r>
+          </a:p>
+          <a:p>
+            <a:pPr marL="914400" lvl="1" indent="-514350" algn="just"/>
+            <a:r>
+              <a:rPr lang="sr-Latn-RS" dirty="0" smtClean="0"/>
+              <a:t>lukove</a:t>
+            </a:r>
+            <a:endParaRPr lang="sr-Latn-RS" dirty="0" smtClean="0"/>
+          </a:p>
+          <a:p>
+            <a:pPr marL="914400" lvl="1" indent="-514350" algn="just"/>
+            <a:r>
+              <a:rPr lang="sr-Latn-RS" dirty="0" smtClean="0"/>
+              <a:t>za dinamiku</a:t>
+            </a:r>
+          </a:p>
+          <a:p>
+            <a:pPr marL="914400" lvl="1" indent="-514350" algn="just"/>
+            <a:r>
+              <a:rPr lang="sr-Latn-RS" dirty="0" smtClean="0"/>
+              <a:t>slova</a:t>
+            </a:r>
+            <a:endParaRPr lang="sr-Latn-RS" noProof="1" smtClean="0"/>
+          </a:p>
+        </p:txBody>
+      </p:sp>
+    </p:spTree>
+  </p:cSld>
+  <p:clrMapOvr>
+    <a:masterClrMapping/>
+  </p:clrMapOvr>
+</p:sld>
+</file>
+
+<file path=ppt/slides/slide16.xml><?xml version="1.0" encoding="utf-8"?>
 <p:sld xmlns:a="http://schemas.openxmlformats.org/drawingml/2006/main" xmlns:r="http://schemas.openxmlformats.org/officeDocument/2006/relationships" xmlns:p="http://schemas.openxmlformats.org/presentationml/2006/main">
   <p:cSld>
     <p:spTree>

--- a/SoftProjekat.pptx
+++ b/SoftProjekat.pptx
@@ -20,7 +20,8 @@
     <p:sldId id="264" r:id="rId14"/>
     <p:sldId id="266" r:id="rId15"/>
     <p:sldId id="271" r:id="rId16"/>
-    <p:sldId id="261" r:id="rId17"/>
+    <p:sldId id="272" r:id="rId17"/>
+    <p:sldId id="261" r:id="rId18"/>
   </p:sldIdLst>
   <p:sldSz cx="9144000" cy="6858000" type="screen4x3"/>
   <p:notesSz cx="6858000" cy="9144000"/>
@@ -3393,15 +3394,7 @@
             <a:pPr marL="1771650" lvl="3" indent="-514350" algn="just"/>
             <a:r>
               <a:rPr lang="sr-Latn-RS" dirty="0" smtClean="0"/>
-              <a:t>morfološke operacije </a:t>
-            </a:r>
-            <a:r>
-              <a:rPr lang="sr-Latn-RS" dirty="0" smtClean="0"/>
-              <a:t>sa horizontalnim </a:t>
-            </a:r>
-            <a:r>
-              <a:rPr lang="sr-Latn-RS" dirty="0" smtClean="0"/>
-              <a:t>kernelom</a:t>
+              <a:t>morfološke operacije sa horizontalnim kernelom</a:t>
             </a:r>
           </a:p>
           <a:p>
@@ -3437,7 +3430,6 @@
               <a:rPr lang="sr-Latn-RS" dirty="0" smtClean="0"/>
               <a:t> pozicija</a:t>
             </a:r>
-            <a:endParaRPr lang="sr-Latn-RS" dirty="0" smtClean="0"/>
           </a:p>
           <a:p>
             <a:pPr marL="914400" lvl="1" indent="-514350" algn="just"/>
@@ -3457,33 +3449,15 @@
             <a:pPr marL="1771650" lvl="3" indent="-514350" algn="just"/>
             <a:r>
               <a:rPr lang="sr-Latn-RS" dirty="0" smtClean="0"/>
-              <a:t>morfološke operacije</a:t>
-            </a:r>
-            <a:r>
-              <a:rPr lang="sr-Latn-RS" dirty="0" smtClean="0"/>
-              <a:t> </a:t>
-            </a:r>
-            <a:r>
-              <a:rPr lang="sr-Latn-RS" dirty="0" smtClean="0"/>
-              <a:t>sa vertikalnim </a:t>
-            </a:r>
-            <a:r>
-              <a:rPr lang="sr-Latn-RS" dirty="0" smtClean="0"/>
-              <a:t>kernelom</a:t>
-            </a:r>
-            <a:endParaRPr lang="sr-Latn-RS" dirty="0" smtClean="0"/>
+              <a:t>morfološke operacije sa vertikalnim kernelom</a:t>
+            </a:r>
           </a:p>
           <a:p>
             <a:pPr marL="1771650" lvl="3" indent="-514350" algn="just"/>
             <a:r>
               <a:rPr lang="sr-Latn-RS" dirty="0" smtClean="0"/>
-              <a:t>provera praznina sa horizontalnim </a:t>
-            </a:r>
-            <a:r>
-              <a:rPr lang="sr-Latn-RS" dirty="0" smtClean="0"/>
-              <a:t>kernelom</a:t>
-            </a:r>
-            <a:endParaRPr lang="sr-Latn-RS" dirty="0" smtClean="0"/>
+              <a:t>provera praznina sa horizontalnim kernelom</a:t>
+            </a:r>
           </a:p>
           <a:p>
             <a:pPr marL="1771650" lvl="3" indent="-514350" algn="just"/>
@@ -3493,26 +3467,14 @@
             </a:r>
             <a:r>
               <a:rPr lang="sr-Latn-RS" dirty="0" smtClean="0"/>
-              <a:t>linijske </a:t>
-            </a:r>
-            <a:r>
-              <a:rPr lang="sr-Latn-RS" dirty="0" smtClean="0"/>
-              <a:t>transformacije</a:t>
+              <a:t>linijske transformacije</a:t>
             </a:r>
           </a:p>
           <a:p>
             <a:pPr marL="1314450" lvl="2" indent="-514350" algn="just"/>
             <a:r>
               <a:rPr lang="sr-Latn-RS" dirty="0" smtClean="0"/>
-              <a:t>od </a:t>
-            </a:r>
-            <a:r>
-              <a:rPr lang="sr-Latn-RS" dirty="0" smtClean="0"/>
-              <a:t>najniže do najviše standardne notne </a:t>
-            </a:r>
-            <a:r>
-              <a:rPr lang="sr-Latn-RS" dirty="0" smtClean="0"/>
-              <a:t>linije</a:t>
+              <a:t>od najniže do najviše standardne notne linije</a:t>
             </a:r>
           </a:p>
           <a:p>
@@ -3521,7 +3483,6 @@
               <a:rPr lang="sr-Latn-RS" dirty="0" smtClean="0"/>
               <a:t>nema notnu glavu/glave u blizini</a:t>
             </a:r>
-            <a:endParaRPr lang="sr-Latn-RS" dirty="0" smtClean="0"/>
           </a:p>
           <a:p>
             <a:pPr marL="914400" lvl="1" indent="-514350" algn="just"/>
@@ -3611,11 +3572,7 @@
             <a:pPr marL="1314450" lvl="2" indent="-514350" algn="just"/>
             <a:r>
               <a:rPr lang="sr-Latn-RS" dirty="0" smtClean="0"/>
-              <a:t>iste </a:t>
-            </a:r>
-            <a:r>
-              <a:rPr lang="sr-Latn-RS" dirty="0" smtClean="0"/>
-              <a:t>metod</a:t>
+              <a:t>iste metod</a:t>
             </a:r>
             <a:r>
               <a:rPr lang="en-US" dirty="0" smtClean="0"/>
@@ -3623,11 +3580,7 @@
             </a:r>
             <a:r>
               <a:rPr lang="sr-Latn-RS" dirty="0" smtClean="0"/>
-              <a:t> </a:t>
-            </a:r>
-            <a:r>
-              <a:rPr lang="sr-Latn-RS" dirty="0" smtClean="0"/>
-              <a:t>kao kod prepoznavanje taktova</a:t>
+              <a:t> kao kod prepoznavanje taktova</a:t>
             </a:r>
           </a:p>
           <a:p>
@@ -3648,11 +3601,7 @@
             <a:pPr marL="1314450" lvl="2" indent="-514350" algn="just"/>
             <a:r>
               <a:rPr lang="sr-Latn-RS" dirty="0" smtClean="0"/>
-              <a:t>uklanjanje i </a:t>
-            </a:r>
-            <a:r>
-              <a:rPr lang="sr-Latn-RS" dirty="0" smtClean="0"/>
-              <a:t>pamćenje</a:t>
+              <a:t>uklanjanje i pamćenje</a:t>
             </a:r>
             <a:r>
               <a:rPr lang="sr-Cyrl-RS" dirty="0" smtClean="0"/>
@@ -3662,7 +3611,6 @@
               <a:rPr lang="sr-Latn-RS" dirty="0" smtClean="0"/>
               <a:t>regiona</a:t>
             </a:r>
-            <a:endParaRPr lang="sr-Latn-RS" dirty="0" smtClean="0"/>
           </a:p>
           <a:p>
             <a:pPr marL="914400" lvl="1" indent="-514350" algn="just"/>
@@ -3675,15 +3623,7 @@
             <a:pPr marL="1314450" lvl="2" indent="-514350" algn="just"/>
             <a:r>
               <a:rPr lang="sr-Latn-RS" dirty="0" smtClean="0"/>
-              <a:t>morfološke operacije</a:t>
-            </a:r>
-            <a:r>
-              <a:rPr lang="sr-Latn-RS" dirty="0" smtClean="0"/>
-              <a:t> </a:t>
-            </a:r>
-            <a:r>
-              <a:rPr lang="sr-Latn-RS" dirty="0" smtClean="0"/>
-              <a:t>sa horizontalnim kernelom</a:t>
+              <a:t>morfološke operacije sa horizontalnim kernelom</a:t>
             </a:r>
           </a:p>
           <a:p>
@@ -3697,11 +3637,7 @@
             <a:pPr marL="1314450" lvl="2" indent="-514350" algn="just"/>
             <a:r>
               <a:rPr lang="sr-Latn-RS" dirty="0" smtClean="0"/>
-              <a:t>uglavnom različite debljine od notne </a:t>
-            </a:r>
-            <a:r>
-              <a:rPr lang="sr-Latn-RS" dirty="0" smtClean="0"/>
-              <a:t>linije</a:t>
+              <a:t>uglavnom različite debljine od notne linije</a:t>
             </a:r>
             <a:endParaRPr lang="en-US" dirty="0" smtClean="0"/>
           </a:p>
@@ -3724,11 +3660,7 @@
             <a:pPr marL="914400" lvl="1" indent="-514350" algn="just"/>
             <a:r>
               <a:rPr lang="sr-Latn-RS" dirty="0" smtClean="0"/>
-              <a:t>notnih </a:t>
-            </a:r>
-            <a:r>
-              <a:rPr lang="sr-Latn-RS" dirty="0" smtClean="0"/>
-              <a:t>glava</a:t>
+              <a:t>notnih glava</a:t>
             </a:r>
           </a:p>
           <a:p>
@@ -3742,15 +3674,7 @@
             <a:pPr marL="1314450" lvl="2" indent="-514350" algn="just"/>
             <a:r>
               <a:rPr lang="sr-Latn-RS" dirty="0" smtClean="0"/>
-              <a:t>morfološke operacije </a:t>
-            </a:r>
-            <a:r>
-              <a:rPr lang="sr-Latn-RS" dirty="0" smtClean="0"/>
-              <a:t>sa </a:t>
-            </a:r>
-            <a:r>
-              <a:rPr lang="sr-Latn-RS" dirty="0" smtClean="0"/>
-              <a:t>elipsastim/krstastim kernelom</a:t>
+              <a:t>morfološke operacije sa elipsastim/krstastim kernelom</a:t>
             </a:r>
           </a:p>
           <a:p>
@@ -3764,35 +3688,22 @@
             <a:pPr marL="914400" lvl="1" indent="-514350" algn="just"/>
             <a:r>
               <a:rPr lang="sr-Latn-RS" dirty="0" smtClean="0"/>
-              <a:t>notnih </a:t>
-            </a:r>
-            <a:r>
-              <a:rPr lang="sr-Latn-RS" dirty="0" smtClean="0"/>
-              <a:t>zastavica</a:t>
+              <a:t>notnih zastavica</a:t>
             </a:r>
           </a:p>
           <a:p>
             <a:pPr marL="1314450" lvl="2" indent="-514350" algn="just"/>
             <a:r>
               <a:rPr lang="sr-Latn-RS" dirty="0" smtClean="0"/>
-              <a:t>morfološke </a:t>
-            </a:r>
-            <a:r>
-              <a:rPr lang="sr-Latn-RS" dirty="0" smtClean="0"/>
-              <a:t>operacije</a:t>
+              <a:t>morfološke operacije</a:t>
             </a:r>
           </a:p>
           <a:p>
             <a:pPr marL="1314450" lvl="2" indent="-514350" algn="just"/>
             <a:r>
               <a:rPr lang="sr-Latn-RS" dirty="0" smtClean="0"/>
-              <a:t>prepoznati region se prosleđuje istreniranoj neuronskoj </a:t>
-            </a:r>
-            <a:r>
-              <a:rPr lang="sr-Latn-RS" dirty="0" smtClean="0"/>
-              <a:t>mreži</a:t>
-            </a:r>
-            <a:endParaRPr lang="sr-Latn-RS" dirty="0" smtClean="0"/>
+              <a:t>prepoznati region se prosleđuje istreniranoj neuronskoj mreži</a:t>
+            </a:r>
           </a:p>
         </p:txBody>
       </p:sp>
@@ -4660,7 +4571,7 @@
           <a:p>
             <a:r>
               <a:rPr lang="sr-Latn-RS" dirty="0" smtClean="0"/>
-              <a:t>Dataset</a:t>
+              <a:t>Training Dataset</a:t>
             </a:r>
             <a:endParaRPr lang="en-US" dirty="0"/>
           </a:p>
@@ -4788,11 +4699,7 @@
             <a:pPr lvl="2"/>
             <a:r>
               <a:rPr lang="sr-Latn-RS" dirty="0" smtClean="0"/>
-              <a:t>za svaku dužinu trajanja </a:t>
-            </a:r>
-            <a:r>
-              <a:rPr lang="sr-Latn-RS" dirty="0" smtClean="0"/>
-              <a:t>note</a:t>
+              <a:t>za svaku dužinu trajanja note</a:t>
             </a:r>
           </a:p>
           <a:p>
@@ -4820,11 +4727,7 @@
             <a:pPr marL="914400" lvl="1" indent="-514350" algn="just"/>
             <a:r>
               <a:rPr lang="sr-Latn-RS" dirty="0" smtClean="0"/>
-              <a:t>ključeve </a:t>
-            </a:r>
-            <a:r>
-              <a:rPr lang="sr-Latn-RS" dirty="0" smtClean="0"/>
-              <a:t>(violinski, bas)</a:t>
+              <a:t>ključeve (violinski, bas)</a:t>
             </a:r>
           </a:p>
           <a:p>
@@ -4840,7 +4743,6 @@
               <a:rPr lang="sr-Latn-RS" dirty="0" smtClean="0"/>
               <a:t>lukove</a:t>
             </a:r>
-            <a:endParaRPr lang="sr-Latn-RS" dirty="0" smtClean="0"/>
           </a:p>
           <a:p>
             <a:pPr marL="914400" lvl="1" indent="-514350" algn="just"/>
@@ -4868,6 +4770,153 @@
 </file>
 
 <file path=ppt/slides/slide16.xml><?xml version="1.0" encoding="utf-8"?>
+<p:sld xmlns:a="http://schemas.openxmlformats.org/drawingml/2006/main" xmlns:r="http://schemas.openxmlformats.org/officeDocument/2006/relationships" xmlns:p="http://schemas.openxmlformats.org/presentationml/2006/main">
+  <p:cSld>
+    <p:spTree>
+      <p:nvGrpSpPr>
+        <p:cNvPr id="1" name=""/>
+        <p:cNvGrpSpPr/>
+        <p:nvPr/>
+      </p:nvGrpSpPr>
+      <p:grpSpPr>
+        <a:xfrm>
+          <a:off x="0" y="0"/>
+          <a:ext cx="0" cy="0"/>
+          <a:chOff x="0" y="0"/>
+          <a:chExt cx="0" cy="0"/>
+        </a:xfrm>
+      </p:grpSpPr>
+      <p:sp>
+        <p:nvSpPr>
+          <p:cNvPr id="2" name="Title 1"/>
+          <p:cNvSpPr>
+            <a:spLocks noGrp="1"/>
+          </p:cNvSpPr>
+          <p:nvPr>
+            <p:ph type="title"/>
+          </p:nvPr>
+        </p:nvSpPr>
+        <p:spPr/>
+        <p:txBody>
+          <a:bodyPr/>
+          <a:lstStyle/>
+          <a:p>
+            <a:r>
+              <a:rPr lang="sr-Latn-RS" dirty="0" smtClean="0"/>
+              <a:t>Test Dataset</a:t>
+            </a:r>
+            <a:endParaRPr lang="en-US" dirty="0"/>
+          </a:p>
+        </p:txBody>
+      </p:sp>
+      <p:sp>
+        <p:nvSpPr>
+          <p:cNvPr id="3" name="Content Placeholder 2"/>
+          <p:cNvSpPr>
+            <a:spLocks noGrp="1"/>
+          </p:cNvSpPr>
+          <p:nvPr>
+            <p:ph idx="1"/>
+          </p:nvPr>
+        </p:nvSpPr>
+        <p:spPr/>
+        <p:txBody>
+          <a:bodyPr>
+            <a:normAutofit fontScale="92500" lnSpcReduction="10000"/>
+          </a:bodyPr>
+          <a:lstStyle/>
+          <a:p>
+            <a:r>
+              <a:rPr lang="sr-Latn-RS" dirty="0" smtClean="0"/>
+              <a:t>Korisnički kreirane muzičke partiture u programima:</a:t>
+            </a:r>
+          </a:p>
+          <a:p>
+            <a:pPr lvl="1"/>
+            <a:r>
+              <a:rPr lang="sr-Latn-RS" i="1" dirty="0" smtClean="0"/>
+              <a:t>Finale</a:t>
+            </a:r>
+          </a:p>
+          <a:p>
+            <a:pPr lvl="1"/>
+            <a:r>
+              <a:rPr lang="sr-Latn-RS" i="1" dirty="0" smtClean="0"/>
+              <a:t>Guitar </a:t>
+            </a:r>
+            <a:r>
+              <a:rPr lang="sr-Latn-RS" i="1" dirty="0" smtClean="0"/>
+              <a:t>Pro</a:t>
+            </a:r>
+            <a:endParaRPr lang="sr-Latn-RS" dirty="0" smtClean="0"/>
+          </a:p>
+          <a:p>
+            <a:r>
+              <a:rPr lang="sr-Latn-RS" dirty="0" smtClean="0"/>
+              <a:t>Muzičke partiture prikupljene sa sledećih sajtova:</a:t>
+            </a:r>
+          </a:p>
+          <a:p>
+            <a:pPr lvl="1"/>
+            <a:r>
+              <a:rPr lang="en-US" dirty="0" smtClean="0">
+                <a:hlinkClick r:id="rId2"/>
+              </a:rPr>
+              <a:t>http://</a:t>
+            </a:r>
+            <a:r>
+              <a:rPr lang="en-US" dirty="0" smtClean="0">
+                <a:hlinkClick r:id="rId2"/>
+              </a:rPr>
+              <a:t>www.musicnotes.com/</a:t>
+            </a:r>
+            <a:endParaRPr lang="sr-Latn-RS" dirty="0" smtClean="0"/>
+          </a:p>
+          <a:p>
+            <a:pPr lvl="1"/>
+            <a:r>
+              <a:rPr lang="en-US" dirty="0" smtClean="0">
+                <a:hlinkClick r:id="rId3"/>
+              </a:rPr>
+              <a:t>http://</a:t>
+            </a:r>
+            <a:r>
+              <a:rPr lang="en-US" dirty="0" smtClean="0">
+                <a:hlinkClick r:id="rId3"/>
+              </a:rPr>
+              <a:t>www.8notes.com/scores/9765.asp</a:t>
+            </a:r>
+            <a:r>
+              <a:rPr lang="sr-Latn-RS" dirty="0" smtClean="0">
+                <a:hlinkClick r:id="rId3"/>
+              </a:rPr>
+              <a:t>/</a:t>
+            </a:r>
+            <a:endParaRPr lang="sr-Latn-RS" dirty="0" smtClean="0"/>
+          </a:p>
+          <a:p>
+            <a:r>
+              <a:rPr lang="sr-Latn-RS" dirty="0" smtClean="0"/>
+              <a:t>Bez tablatura</a:t>
+            </a:r>
+          </a:p>
+          <a:p>
+            <a:r>
+              <a:rPr lang="sr-Latn-RS" dirty="0" smtClean="0"/>
+              <a:t>Inicijalno samo jednodeonične partiture</a:t>
+            </a:r>
+          </a:p>
+        </p:txBody>
+      </p:sp>
+    </p:spTree>
+  </p:cSld>
+  <p:clrMapOvr>
+    <a:masterClrMapping/>
+  </p:clrMapOvr>
+</p:sld>
+</file>
+
+<file path=ppt/slides/slide17.xml><?xml version="1.0" encoding="utf-8"?>
 <p:sld xmlns:a="http://schemas.openxmlformats.org/drawingml/2006/main" xmlns:r="http://schemas.openxmlformats.org/officeDocument/2006/relationships" xmlns:p="http://schemas.openxmlformats.org/presentationml/2006/main">
   <p:cSld>
     <p:spTree>
